--- a/Slide/Minicurso SINFORM 2016 LPS - Prática 3.pptx
+++ b/Slide/Minicurso SINFORM 2016 LPS - Prática 3.pptx
@@ -5,7 +5,7 @@
     <p:sldMasterId id="2147483660" r:id="rId1"/>
   </p:sldMasterIdLst>
   <p:notesMasterIdLst>
-    <p:notesMasterId r:id="rId13"/>
+    <p:notesMasterId r:id="rId14"/>
   </p:notesMasterIdLst>
   <p:sldIdLst>
     <p:sldId id="256" r:id="rId2"/>
@@ -18,7 +18,8 @@
     <p:sldId id="263" r:id="rId9"/>
     <p:sldId id="264" r:id="rId10"/>
     <p:sldId id="265" r:id="rId11"/>
-    <p:sldId id="266" r:id="rId12"/>
+    <p:sldId id="267" r:id="rId12"/>
+    <p:sldId id="266" r:id="rId13"/>
   </p:sldIdLst>
   <p:sldSz cx="12192000" cy="6858000"/>
   <p:notesSz cx="6858000" cy="9144000"/>
@@ -117,6 +118,11 @@
       </a:defRPr>
     </a:lvl9pPr>
   </p:defaultTextStyle>
+  <p:extLst>
+    <p:ext uri="{EFAFB233-063F-42B5-8137-9DF3F51BA10A}">
+      <p15:sldGuideLst xmlns:p15="http://schemas.microsoft.com/office/powerpoint/2012/main"/>
+    </p:ext>
+  </p:extLst>
 </p:presentation>
 </file>
 
@@ -202,7 +208,7 @@
           <a:p>
             <a:fld id="{CDCE5BCA-CFA9-4F6E-934D-49B0F0E3663F}" type="datetimeFigureOut">
               <a:rPr lang="pt-BR" smtClean="0"/>
-              <a:t>08/11/2016</a:t>
+              <a:t>09/11/2016</a:t>
             </a:fld>
             <a:endParaRPr lang="pt-BR"/>
           </a:p>
@@ -1056,7 +1062,7 @@
           <a:p>
             <a:fld id="{46B39B4E-F96B-466D-9AFF-0309755B1AD9}" type="datetime1">
               <a:rPr lang="pt-BR" smtClean="0"/>
-              <a:t>08/11/2016</a:t>
+              <a:t>09/11/2016</a:t>
             </a:fld>
             <a:endParaRPr lang="pt-BR"/>
           </a:p>
@@ -1356,7 +1362,7 @@
           <a:p>
             <a:fld id="{A9008A1D-C6BB-4158-B1DB-802214CEDE98}" type="datetime1">
               <a:rPr lang="pt-BR" smtClean="0"/>
-              <a:t>08/11/2016</a:t>
+              <a:t>09/11/2016</a:t>
             </a:fld>
             <a:endParaRPr lang="pt-BR"/>
           </a:p>
@@ -1608,7 +1614,7 @@
           <a:p>
             <a:fld id="{E619BA90-BBF7-4EF5-92FC-8FA13D79A060}" type="datetime1">
               <a:rPr lang="pt-BR" smtClean="0"/>
-              <a:t>08/11/2016</a:t>
+              <a:t>09/11/2016</a:t>
             </a:fld>
             <a:endParaRPr lang="pt-BR"/>
           </a:p>
@@ -2152,7 +2158,7 @@
           <a:p>
             <a:fld id="{40D15FED-3C86-4D78-B364-C9784E601D8F}" type="datetime1">
               <a:rPr lang="pt-BR" smtClean="0"/>
-              <a:t>08/11/2016</a:t>
+              <a:t>09/11/2016</a:t>
             </a:fld>
             <a:endParaRPr lang="pt-BR"/>
           </a:p>
@@ -2404,7 +2410,7 @@
           <a:p>
             <a:fld id="{87B0DDE9-2708-4169-819A-799910A11B6F}" type="datetime1">
               <a:rPr lang="pt-BR" smtClean="0"/>
-              <a:t>08/11/2016</a:t>
+              <a:t>09/11/2016</a:t>
             </a:fld>
             <a:endParaRPr lang="pt-BR"/>
           </a:p>
@@ -2940,7 +2946,7 @@
           <a:p>
             <a:fld id="{8A7A21D3-FBDC-4D09-A278-79BC76A4F5EF}" type="datetime1">
               <a:rPr lang="pt-BR" smtClean="0"/>
-              <a:t>08/11/2016</a:t>
+              <a:t>09/11/2016</a:t>
             </a:fld>
             <a:endParaRPr lang="pt-BR"/>
           </a:p>
@@ -3241,7 +3247,7 @@
           <a:p>
             <a:fld id="{AD466070-D952-47C3-AE98-CE067C6D355D}" type="datetime1">
               <a:rPr lang="pt-BR" smtClean="0"/>
-              <a:t>08/11/2016</a:t>
+              <a:t>09/11/2016</a:t>
             </a:fld>
             <a:endParaRPr lang="pt-BR"/>
           </a:p>
@@ -3419,7 +3425,7 @@
           <a:p>
             <a:fld id="{E5E3FE69-0B95-436A-97E6-EC16294947DD}" type="datetime1">
               <a:rPr lang="pt-BR" smtClean="0"/>
-              <a:t>08/11/2016</a:t>
+              <a:t>09/11/2016</a:t>
             </a:fld>
             <a:endParaRPr lang="pt-BR"/>
           </a:p>
@@ -3603,7 +3609,7 @@
           <a:p>
             <a:fld id="{9552C5FA-A46C-4994-8C41-E4C256D7C7AE}" type="datetime1">
               <a:rPr lang="pt-BR" smtClean="0"/>
-              <a:t>08/11/2016</a:t>
+              <a:t>09/11/2016</a:t>
             </a:fld>
             <a:endParaRPr lang="pt-BR"/>
           </a:p>
@@ -3777,7 +3783,7 @@
           <a:p>
             <a:fld id="{4F5B515B-4DF7-4D82-86FA-828E900798C7}" type="datetime1">
               <a:rPr lang="pt-BR" smtClean="0"/>
-              <a:t>08/11/2016</a:t>
+              <a:t>09/11/2016</a:t>
             </a:fld>
             <a:endParaRPr lang="pt-BR"/>
           </a:p>
@@ -4032,7 +4038,7 @@
           <a:p>
             <a:fld id="{49047105-B4A8-4429-8985-D0C86B739733}" type="datetime1">
               <a:rPr lang="pt-BR" smtClean="0"/>
-              <a:t>08/11/2016</a:t>
+              <a:t>09/11/2016</a:t>
             </a:fld>
             <a:endParaRPr lang="pt-BR"/>
           </a:p>
@@ -4333,7 +4339,7 @@
           <a:p>
             <a:fld id="{B86D6266-403A-4359-9849-95C7E26BB30B}" type="datetime1">
               <a:rPr lang="pt-BR" smtClean="0"/>
-              <a:t>08/11/2016</a:t>
+              <a:t>09/11/2016</a:t>
             </a:fld>
             <a:endParaRPr lang="pt-BR"/>
           </a:p>
@@ -4779,7 +4785,7 @@
           <a:p>
             <a:fld id="{8079EE43-DACA-4990-9654-781A53996407}" type="datetime1">
               <a:rPr lang="pt-BR" smtClean="0"/>
-              <a:t>08/11/2016</a:t>
+              <a:t>09/11/2016</a:t>
             </a:fld>
             <a:endParaRPr lang="pt-BR"/>
           </a:p>
@@ -4901,7 +4907,7 @@
           <a:p>
             <a:fld id="{A50DD044-F5DA-488F-AE46-43FF1F206065}" type="datetime1">
               <a:rPr lang="pt-BR" smtClean="0"/>
-              <a:t>08/11/2016</a:t>
+              <a:t>09/11/2016</a:t>
             </a:fld>
             <a:endParaRPr lang="pt-BR"/>
           </a:p>
@@ -5000,7 +5006,7 @@
           <a:p>
             <a:fld id="{2320F3D5-81BC-47A9-BE96-B2978D17194C}" type="datetime1">
               <a:rPr lang="pt-BR" smtClean="0"/>
-              <a:t>08/11/2016</a:t>
+              <a:t>09/11/2016</a:t>
             </a:fld>
             <a:endParaRPr lang="pt-BR"/>
           </a:p>
@@ -5287,7 +5293,7 @@
           <a:p>
             <a:fld id="{B63DA1B6-71DC-41EF-A3F7-98690EDFE1A1}" type="datetime1">
               <a:rPr lang="pt-BR" smtClean="0"/>
-              <a:t>08/11/2016</a:t>
+              <a:t>09/11/2016</a:t>
             </a:fld>
             <a:endParaRPr lang="pt-BR"/>
           </a:p>
@@ -5582,7 +5588,7 @@
           <a:p>
             <a:fld id="{B405D9FC-EFB2-447B-94BB-52B11AF9FA20}" type="datetime1">
               <a:rPr lang="pt-BR" smtClean="0"/>
-              <a:t>08/11/2016</a:t>
+              <a:t>09/11/2016</a:t>
             </a:fld>
             <a:endParaRPr lang="pt-BR"/>
           </a:p>
@@ -6119,7 +6125,7 @@
           <a:p>
             <a:fld id="{128EEAD4-DC7E-43EA-B6B8-6E083DD85147}" type="datetime1">
               <a:rPr lang="pt-BR" smtClean="0"/>
-              <a:t>08/11/2016</a:t>
+              <a:t>09/11/2016</a:t>
             </a:fld>
             <a:endParaRPr lang="pt-BR"/>
           </a:p>
@@ -7779,6 +7785,134 @@
           <a:p>
             <a:r>
               <a:rPr lang="pt-BR" dirty="0" smtClean="0"/>
+              <a:t>Atividade</a:t>
+            </a:r>
+            <a:endParaRPr lang="pt-BR" dirty="0"/>
+          </a:p>
+        </p:txBody>
+      </p:sp>
+      <p:pic>
+        <p:nvPicPr>
+          <p:cNvPr id="6" name="Espaço Reservado para Conteúdo 5" descr="Recorte de Tela"/>
+          <p:cNvPicPr>
+            <a:picLocks noGrp="1" noChangeAspect="1"/>
+          </p:cNvPicPr>
+          <p:nvPr>
+            <p:ph idx="1"/>
+          </p:nvPr>
+        </p:nvPicPr>
+        <p:blipFill>
+          <a:blip r:embed="rId2">
+            <a:extLst>
+              <a:ext uri="{28A0092B-C50C-407E-A947-70E740481C1C}">
+                <a14:useLocalDpi xmlns:a14="http://schemas.microsoft.com/office/drawing/2010/main" val="0"/>
+              </a:ext>
+            </a:extLst>
+          </a:blip>
+          <a:stretch>
+            <a:fillRect/>
+          </a:stretch>
+        </p:blipFill>
+        <p:spPr>
+          <a:xfrm>
+            <a:off x="2235399" y="3000203"/>
+            <a:ext cx="8516539" cy="2457793"/>
+          </a:xfrm>
+        </p:spPr>
+      </p:pic>
+      <p:sp>
+        <p:nvSpPr>
+          <p:cNvPr id="4" name="Espaço Reservado para Rodapé 3"/>
+          <p:cNvSpPr>
+            <a:spLocks noGrp="1"/>
+          </p:cNvSpPr>
+          <p:nvPr>
+            <p:ph type="ftr" sz="quarter" idx="11"/>
+          </p:nvPr>
+        </p:nvSpPr>
+        <p:spPr/>
+        <p:txBody>
+          <a:bodyPr/>
+          <a:lstStyle/>
+          <a:p>
+            <a:r>
+              <a:rPr lang="pt-BR" smtClean="0"/>
+              <a:t>Minicurso SINFORM 2016 - Linha de Produto de Software</a:t>
+            </a:r>
+            <a:endParaRPr lang="pt-BR"/>
+          </a:p>
+        </p:txBody>
+      </p:sp>
+      <p:sp>
+        <p:nvSpPr>
+          <p:cNvPr id="5" name="Espaço Reservado para Número de Slide 4"/>
+          <p:cNvSpPr>
+            <a:spLocks noGrp="1"/>
+          </p:cNvSpPr>
+          <p:nvPr>
+            <p:ph type="sldNum" sz="quarter" idx="12"/>
+          </p:nvPr>
+        </p:nvSpPr>
+        <p:spPr/>
+        <p:txBody>
+          <a:bodyPr/>
+          <a:lstStyle/>
+          <a:p>
+            <a:fld id="{24D534A6-269C-4219-9F72-AFD8D69E7640}" type="slidenum">
+              <a:rPr lang="pt-BR" smtClean="0"/>
+              <a:t>11</a:t>
+            </a:fld>
+            <a:endParaRPr lang="pt-BR"/>
+          </a:p>
+        </p:txBody>
+      </p:sp>
+    </p:spTree>
+    <p:extLst>
+      <p:ext uri="{BB962C8B-B14F-4D97-AF65-F5344CB8AC3E}">
+        <p14:creationId xmlns:p14="http://schemas.microsoft.com/office/powerpoint/2010/main" val="1228024454"/>
+      </p:ext>
+    </p:extLst>
+  </p:cSld>
+  <p:clrMapOvr>
+    <a:masterClrMapping/>
+  </p:clrMapOvr>
+</p:sld>
+</file>
+
+<file path=ppt/slides/slide12.xml><?xml version="1.0" encoding="utf-8"?>
+<p:sld xmlns:a="http://schemas.openxmlformats.org/drawingml/2006/main" xmlns:r="http://schemas.openxmlformats.org/officeDocument/2006/relationships" xmlns:p="http://schemas.openxmlformats.org/presentationml/2006/main">
+  <p:cSld>
+    <p:spTree>
+      <p:nvGrpSpPr>
+        <p:cNvPr id="1" name=""/>
+        <p:cNvGrpSpPr/>
+        <p:nvPr/>
+      </p:nvGrpSpPr>
+      <p:grpSpPr>
+        <a:xfrm>
+          <a:off x="0" y="0"/>
+          <a:ext cx="0" cy="0"/>
+          <a:chOff x="0" y="0"/>
+          <a:chExt cx="0" cy="0"/>
+        </a:xfrm>
+      </p:grpSpPr>
+      <p:sp>
+        <p:nvSpPr>
+          <p:cNvPr id="2" name="Título 1"/>
+          <p:cNvSpPr>
+            <a:spLocks noGrp="1"/>
+          </p:cNvSpPr>
+          <p:nvPr>
+            <p:ph type="title"/>
+          </p:nvPr>
+        </p:nvSpPr>
+        <p:spPr/>
+        <p:txBody>
+          <a:bodyPr/>
+          <a:lstStyle/>
+          <a:p>
+            <a:r>
+              <a:rPr lang="pt-BR" dirty="0" smtClean="0"/>
               <a:t>Obrigado!</a:t>
             </a:r>
             <a:endParaRPr lang="pt-BR" dirty="0"/>
@@ -7881,7 +8015,7 @@
           <a:p>
             <a:fld id="{24D534A6-269C-4219-9F72-AFD8D69E7640}" type="slidenum">
               <a:rPr lang="pt-BR" smtClean="0"/>
-              <a:t>11</a:t>
+              <a:t>12</a:t>
             </a:fld>
             <a:endParaRPr lang="pt-BR"/>
           </a:p>
